--- a/documentatie/Oplevermoment PO/ParkScouting presentatie.pptx
+++ b/documentatie/Oplevermoment PO/ParkScouting presentatie.pptx
@@ -257,7 +257,7 @@
           <a:p>
             <a:fld id="{48A87A34-81AB-432B-8DAE-1953F412C126}" type="datetimeFigureOut">
               <a:rPr lang="en-US" dirty="0"/>
-              <a:t>4/18/2017</a:t>
+              <a:t>4/20/2017</a:t>
             </a:fld>
             <a:endParaRPr lang="en-US" dirty="0"/>
           </a:p>
@@ -463,7 +463,7 @@
           <a:p>
             <a:fld id="{48A87A34-81AB-432B-8DAE-1953F412C126}" type="datetimeFigureOut">
               <a:rPr lang="en-US" dirty="0"/>
-              <a:t>4/18/2017</a:t>
+              <a:t>4/20/2017</a:t>
             </a:fld>
             <a:endParaRPr lang="en-US" dirty="0"/>
           </a:p>
@@ -673,7 +673,7 @@
           <a:p>
             <a:fld id="{48A87A34-81AB-432B-8DAE-1953F412C126}" type="datetimeFigureOut">
               <a:rPr lang="en-US" dirty="0"/>
-              <a:t>4/18/2017</a:t>
+              <a:t>4/20/2017</a:t>
             </a:fld>
             <a:endParaRPr lang="en-US" dirty="0"/>
           </a:p>
@@ -869,7 +869,7 @@
           <a:p>
             <a:fld id="{48A87A34-81AB-432B-8DAE-1953F412C126}" type="datetimeFigureOut">
               <a:rPr lang="en-US" dirty="0"/>
-              <a:t>4/18/2017</a:t>
+              <a:t>4/20/2017</a:t>
             </a:fld>
             <a:endParaRPr lang="en-US" dirty="0"/>
           </a:p>
@@ -1143,7 +1143,7 @@
           <a:p>
             <a:fld id="{48A87A34-81AB-432B-8DAE-1953F412C126}" type="datetimeFigureOut">
               <a:rPr lang="en-US" dirty="0"/>
-              <a:t>4/18/2017</a:t>
+              <a:t>4/20/2017</a:t>
             </a:fld>
             <a:endParaRPr lang="en-US" dirty="0"/>
           </a:p>
@@ -1406,7 +1406,7 @@
           <a:p>
             <a:fld id="{48A87A34-81AB-432B-8DAE-1953F412C126}" type="datetimeFigureOut">
               <a:rPr lang="en-US" dirty="0"/>
-              <a:t>4/18/2017</a:t>
+              <a:t>4/20/2017</a:t>
             </a:fld>
             <a:endParaRPr lang="en-US" dirty="0"/>
           </a:p>
@@ -1817,7 +1817,7 @@
           <a:p>
             <a:fld id="{48A87A34-81AB-432B-8DAE-1953F412C126}" type="datetimeFigureOut">
               <a:rPr lang="en-US" dirty="0"/>
-              <a:t>4/18/2017</a:t>
+              <a:t>4/20/2017</a:t>
             </a:fld>
             <a:endParaRPr lang="en-US" dirty="0"/>
           </a:p>
@@ -1961,7 +1961,7 @@
           <a:p>
             <a:fld id="{48A87A34-81AB-432B-8DAE-1953F412C126}" type="datetimeFigureOut">
               <a:rPr lang="en-US" dirty="0"/>
-              <a:t>4/18/2017</a:t>
+              <a:t>4/20/2017</a:t>
             </a:fld>
             <a:endParaRPr lang="en-US" dirty="0"/>
           </a:p>
@@ -2082,7 +2082,7 @@
           <a:p>
             <a:fld id="{48A87A34-81AB-432B-8DAE-1953F412C126}" type="datetimeFigureOut">
               <a:rPr lang="en-US" dirty="0"/>
-              <a:t>4/18/2017</a:t>
+              <a:t>4/20/2017</a:t>
             </a:fld>
             <a:endParaRPr lang="en-US" dirty="0"/>
           </a:p>
@@ -2328,7 +2328,7 @@
           <a:p>
             <a:fld id="{48A87A34-81AB-432B-8DAE-1953F412C126}" type="datetimeFigureOut">
               <a:rPr lang="en-US" dirty="0"/>
-              <a:t>4/18/2017</a:t>
+              <a:t>4/20/2017</a:t>
             </a:fld>
             <a:endParaRPr lang="en-US" dirty="0"/>
           </a:p>
@@ -2769,7 +2769,7 @@
             <a:fld id="{48A87A34-81AB-432B-8DAE-1953F412C126}" type="datetimeFigureOut">
               <a:rPr lang="en-US" dirty="0"/>
               <a:pPr/>
-              <a:t>4/18/2017</a:t>
+              <a:t>4/20/2017</a:t>
             </a:fld>
             <a:endParaRPr lang="en-US" dirty="0"/>
           </a:p>
@@ -3091,7 +3091,7 @@
             <a:fld id="{48A87A34-81AB-432B-8DAE-1953F412C126}" type="datetimeFigureOut">
               <a:rPr lang="en-US" dirty="0"/>
               <a:pPr/>
-              <a:t>4/18/2017</a:t>
+              <a:t>4/20/2017</a:t>
             </a:fld>
             <a:endParaRPr lang="en-US" dirty="0"/>
           </a:p>
@@ -3983,7 +3983,7 @@
           <a:p>
             <a:r>
               <a:rPr lang="nl-NL" dirty="0"/>
-              <a:t>- UML 2.0 Use Case diagram en Activity Diagram</a:t>
+              <a:t>- UML 2.0 Use Case diagram en Activity Diagram     </a:t>
             </a:r>
           </a:p>
           <a:p>
@@ -4026,6 +4026,63 @@
           </a:p>
         </p:txBody>
       </p:sp>
+      <p:graphicFrame>
+        <p:nvGraphicFramePr>
+          <p:cNvPr id="5" name="Object 4"/>
+          <p:cNvGraphicFramePr>
+            <a:graphicFrameLocks noChangeAspect="1"/>
+          </p:cNvGraphicFramePr>
+          <p:nvPr>
+            <p:extLst>
+              <p:ext uri="{D42A27DB-BD31-4B8C-83A1-F6EECF244321}">
+                <p14:modId xmlns:p14="http://schemas.microsoft.com/office/powerpoint/2010/main" val="140396084"/>
+              </p:ext>
+            </p:extLst>
+          </p:nvPr>
+        </p:nvGraphicFramePr>
+        <p:xfrm>
+          <a:off x="6199188" y="2622550"/>
+          <a:ext cx="2560637" cy="452438"/>
+        </p:xfrm>
+        <a:graphic>
+          <a:graphicData uri="http://schemas.openxmlformats.org/presentationml/2006/ole">
+            <mc:AlternateContent xmlns:mc="http://schemas.openxmlformats.org/markup-compatibility/2006">
+              <mc:Choice xmlns:v="urn:schemas-microsoft-com:vml" Requires="v">
+                <p:oleObj spid="_x0000_s1026" name="Packager Shell Object" showAsIcon="1" r:id="rId3" imgW="2496240" imgH="439560" progId="Package">
+                  <p:embed/>
+                </p:oleObj>
+              </mc:Choice>
+              <mc:Fallback>
+                <p:oleObj name="Packager Shell Object" showAsIcon="1" r:id="rId3" imgW="2496240" imgH="439560" progId="Package">
+                  <p:embed/>
+                  <p:pic>
+                    <p:nvPicPr>
+                      <p:cNvPr id="0" name=""/>
+                      <p:cNvPicPr/>
+                      <p:nvPr/>
+                    </p:nvPicPr>
+                    <p:blipFill>
+                      <a:blip r:embed="rId4"/>
+                      <a:stretch>
+                        <a:fillRect/>
+                      </a:stretch>
+                    </p:blipFill>
+                    <p:spPr>
+                      <a:xfrm>
+                        <a:off x="6199188" y="2622550"/>
+                        <a:ext cx="2560637" cy="452438"/>
+                      </a:xfrm>
+                      <a:prstGeom prst="rect">
+                        <a:avLst/>
+                      </a:prstGeom>
+                    </p:spPr>
+                  </p:pic>
+                </p:oleObj>
+              </mc:Fallback>
+            </mc:AlternateContent>
+          </a:graphicData>
+        </a:graphic>
+      </p:graphicFrame>
     </p:spTree>
     <p:extLst>
       <p:ext uri="{BB962C8B-B14F-4D97-AF65-F5344CB8AC3E}">
